--- a/docs/Plat-Hackathon-Preparation-Materials-2023-01-24-v5.pptx
+++ b/docs/Plat-Hackathon-Preparation-Materials-2023-01-24-v5.pptx
@@ -301,7 +301,7 @@
       <p15:sldGuideLst xmlns:p15="http://schemas.microsoft.com/office/powerpoint/2012/main"/>
     </p:ext>
     <p:ext uri="http://customooxmlschemas.google.com/">
-      <go:slidesCustomData xmlns:go="http://customooxmlschemas.google.com/" xmlns:ahyp="http://schemas.microsoft.com/office/drawing/2018/hyperlinkcolor" xmlns:p15="http://schemas.microsoft.com/office/powerpoint/2012/main" xmlns:p14="http://schemas.microsoft.com/office/powerpoint/2010/main" xmlns:com="http://schemas.openxmlformats.org/drawingml/2006/compatibility" xmlns:pvml="urn:schemas-microsoft-com:office:powerpoint" xmlns:v="urn:schemas-microsoft-com:vml" xmlns:o="urn:schemas-microsoft-com:office:office" xmlns:dgm="http://schemas.openxmlformats.org/drawingml/2006/diagram" xmlns:c="http://schemas.openxmlformats.org/drawingml/2006/chart" xmlns:mv="urn:schemas-microsoft-com:mac:vml" xmlns:mc="http://schemas.openxmlformats.org/markup-compatibility/2006" xmlns="" r:id="rId42" roundtripDataSignature="AMtx7mgWrdhQULbmHSh5pAHo+gUpJFUTfA=="/>
+      <go:slidesCustomData xmlns="" xmlns:mc="http://schemas.openxmlformats.org/markup-compatibility/2006" xmlns:mv="urn:schemas-microsoft-com:mac:vml" xmlns:c="http://schemas.openxmlformats.org/drawingml/2006/chart" xmlns:dgm="http://schemas.openxmlformats.org/drawingml/2006/diagram" xmlns:o="urn:schemas-microsoft-com:office:office" xmlns:v="urn:schemas-microsoft-com:vml" xmlns:pvml="urn:schemas-microsoft-com:office:powerpoint" xmlns:com="http://schemas.openxmlformats.org/drawingml/2006/compatibility" xmlns:p14="http://schemas.microsoft.com/office/powerpoint/2010/main" xmlns:p15="http://schemas.microsoft.com/office/powerpoint/2012/main" xmlns:ahyp="http://schemas.microsoft.com/office/drawing/2018/hyperlinkcolor" xmlns:go="http://customooxmlschemas.google.com/" r:id="rId42" roundtripDataSignature="AMtx7mgWrdhQULbmHSh5pAHo+gUpJFUTfA=="/>
     </p:ext>
   </p:extLst>
 </p:presentation>
@@ -311,8 +311,38 @@
 <p1510:revInfo xmlns:a="http://schemas.openxmlformats.org/drawingml/2006/main" xmlns:r="http://schemas.openxmlformats.org/officeDocument/2006/relationships" xmlns:p1510="http://schemas.microsoft.com/office/powerpoint/2015/10/main">
   <p1510:revLst>
     <p1510:client id="{81E33B2C-2ECE-490D-95CE-0E752C45A811}" v="8" dt="2023-01-25T00:16:15.407"/>
+    <p1510:client id="{AFCE4103-0E2C-49AE-99C4-7D5EFE1936F0}" v="1" dt="2023-01-25T03:43:51.032"/>
   </p1510:revLst>
 </p1510:revInfo>
+</file>
+
+<file path=ppt/changesInfos/changesInfo1.xml><?xml version="1.0" encoding="utf-8"?>
+<pc:chgInfo xmlns:a="http://schemas.openxmlformats.org/drawingml/2006/main" xmlns:r="http://schemas.openxmlformats.org/officeDocument/2006/relationships" xmlns:ac="http://schemas.microsoft.com/office/drawing/2013/main/command" xmlns:pc="http://schemas.microsoft.com/office/powerpoint/2013/main/command">
+  <pc:docChgLst>
+    <pc:chgData name="Chris Kennedy" userId="c9803a5179f80760" providerId="LiveId" clId="{AFCE4103-0E2C-49AE-99C4-7D5EFE1936F0}"/>
+    <pc:docChg chg="undo custSel modSld">
+      <pc:chgData name="Chris Kennedy" userId="c9803a5179f80760" providerId="LiveId" clId="{AFCE4103-0E2C-49AE-99C4-7D5EFE1936F0}" dt="2023-01-25T03:44:12.666" v="12" actId="1076"/>
+      <pc:docMkLst>
+        <pc:docMk/>
+      </pc:docMkLst>
+      <pc:sldChg chg="addSp modSp mod">
+        <pc:chgData name="Chris Kennedy" userId="c9803a5179f80760" providerId="LiveId" clId="{AFCE4103-0E2C-49AE-99C4-7D5EFE1936F0}" dt="2023-01-25T03:44:12.666" v="12" actId="1076"/>
+        <pc:sldMkLst>
+          <pc:docMk/>
+          <pc:sldMk cId="0" sldId="256"/>
+        </pc:sldMkLst>
+        <pc:spChg chg="add mod">
+          <ac:chgData name="Chris Kennedy" userId="c9803a5179f80760" providerId="LiveId" clId="{AFCE4103-0E2C-49AE-99C4-7D5EFE1936F0}" dt="2023-01-25T03:44:12.666" v="12" actId="1076"/>
+          <ac:spMkLst>
+            <pc:docMk/>
+            <pc:sldMk cId="0" sldId="256"/>
+            <ac:spMk id="7" creationId="{059CA8A0-071A-1CE6-4B81-FE2495359437}"/>
+          </ac:spMkLst>
+        </pc:spChg>
+      </pc:sldChg>
+    </pc:docChg>
+  </pc:docChgLst>
+</pc:chgInfo>
 </file>
 
 <file path=ppt/charts/chart1.xml><?xml version="1.0" encoding="utf-8"?>
@@ -28535,6 +28565,44 @@
               <a:t>Aaron Bridgers, CFA</a:t>
             </a:r>
             <a:endParaRPr dirty="0"/>
+          </a:p>
+        </p:txBody>
+      </p:sp>
+      <p:sp>
+        <p:nvSpPr>
+          <p:cNvPr id="7" name="TextBox 6">
+            <a:extLst>
+              <a:ext uri="{FF2B5EF4-FFF2-40B4-BE49-F238E27FC236}">
+                <a16:creationId xmlns:a16="http://schemas.microsoft.com/office/drawing/2014/main" id="{059CA8A0-071A-1CE6-4B81-FE2495359437}"/>
+              </a:ext>
+            </a:extLst>
+          </p:cNvPr>
+          <p:cNvSpPr txBox="1"/>
+          <p:nvPr/>
+        </p:nvSpPr>
+        <p:spPr>
+          <a:xfrm>
+            <a:off x="1512147" y="5774803"/>
+            <a:ext cx="6096000" cy="261610"/>
+          </a:xfrm>
+          <a:prstGeom prst="rect">
+            <a:avLst/>
+          </a:prstGeom>
+          <a:noFill/>
+        </p:spPr>
+        <p:txBody>
+          <a:bodyPr wrap="square">
+            <a:spAutoFit/>
+          </a:bodyPr>
+          <a:lstStyle/>
+          <a:p>
+            <a:r>
+              <a:rPr lang="en-US" sz="1050" dirty="0">
+                <a:hlinkClick r:id="rId4"/>
+              </a:rPr>
+              <a:t>https://github.com/platapp/plat-mvp</a:t>
+            </a:r>
+            <a:endParaRPr lang="en-US" sz="1050" dirty="0"/>
           </a:p>
         </p:txBody>
       </p:sp>

--- a/docs/Plat-Hackathon-Preparation-Materials-2023-01-24-v5.pptx
+++ b/docs/Plat-Hackathon-Preparation-Materials-2023-01-24-v5.pptx
@@ -301,7 +301,7 @@
       <p15:sldGuideLst xmlns:p15="http://schemas.microsoft.com/office/powerpoint/2012/main"/>
     </p:ext>
     <p:ext uri="http://customooxmlschemas.google.com/">
-      <go:slidesCustomData xmlns="" xmlns:mc="http://schemas.openxmlformats.org/markup-compatibility/2006" xmlns:mv="urn:schemas-microsoft-com:mac:vml" xmlns:c="http://schemas.openxmlformats.org/drawingml/2006/chart" xmlns:dgm="http://schemas.openxmlformats.org/drawingml/2006/diagram" xmlns:o="urn:schemas-microsoft-com:office:office" xmlns:v="urn:schemas-microsoft-com:vml" xmlns:pvml="urn:schemas-microsoft-com:office:powerpoint" xmlns:com="http://schemas.openxmlformats.org/drawingml/2006/compatibility" xmlns:p14="http://schemas.microsoft.com/office/powerpoint/2010/main" xmlns:p15="http://schemas.microsoft.com/office/powerpoint/2012/main" xmlns:ahyp="http://schemas.microsoft.com/office/drawing/2018/hyperlinkcolor" xmlns:go="http://customooxmlschemas.google.com/" r:id="rId42" roundtripDataSignature="AMtx7mgWrdhQULbmHSh5pAHo+gUpJFUTfA=="/>
+      <go:slidesCustomData xmlns:go="http://customooxmlschemas.google.com/" xmlns:ahyp="http://schemas.microsoft.com/office/drawing/2018/hyperlinkcolor" xmlns:p15="http://schemas.microsoft.com/office/powerpoint/2012/main" xmlns:p14="http://schemas.microsoft.com/office/powerpoint/2010/main" xmlns:com="http://schemas.openxmlformats.org/drawingml/2006/compatibility" xmlns:pvml="urn:schemas-microsoft-com:office:powerpoint" xmlns:v="urn:schemas-microsoft-com:vml" xmlns:o="urn:schemas-microsoft-com:office:office" xmlns:dgm="http://schemas.openxmlformats.org/drawingml/2006/diagram" xmlns:c="http://schemas.openxmlformats.org/drawingml/2006/chart" xmlns:mv="urn:schemas-microsoft-com:mac:vml" xmlns:mc="http://schemas.openxmlformats.org/markup-compatibility/2006" xmlns="" r:id="rId42" roundtripDataSignature="AMtx7mgWrdhQULbmHSh5pAHo+gUpJFUTfA=="/>
     </p:ext>
   </p:extLst>
 </p:presentation>
@@ -311,7 +311,7 @@
 <p1510:revInfo xmlns:a="http://schemas.openxmlformats.org/drawingml/2006/main" xmlns:r="http://schemas.openxmlformats.org/officeDocument/2006/relationships" xmlns:p1510="http://schemas.microsoft.com/office/powerpoint/2015/10/main">
   <p1510:revLst>
     <p1510:client id="{81E33B2C-2ECE-490D-95CE-0E752C45A811}" v="8" dt="2023-01-25T00:16:15.407"/>
-    <p1510:client id="{AFCE4103-0E2C-49AE-99C4-7D5EFE1936F0}" v="1" dt="2023-01-25T03:43:51.032"/>
+    <p1510:client id="{AFCE4103-0E2C-49AE-99C4-7D5EFE1936F0}" v="3" dt="2023-01-25T03:49:45.569"/>
   </p1510:revLst>
 </p1510:revInfo>
 </file>
@@ -321,7 +321,7 @@
   <pc:docChgLst>
     <pc:chgData name="Chris Kennedy" userId="c9803a5179f80760" providerId="LiveId" clId="{AFCE4103-0E2C-49AE-99C4-7D5EFE1936F0}"/>
     <pc:docChg chg="undo custSel modSld">
-      <pc:chgData name="Chris Kennedy" userId="c9803a5179f80760" providerId="LiveId" clId="{AFCE4103-0E2C-49AE-99C4-7D5EFE1936F0}" dt="2023-01-25T03:44:12.666" v="12" actId="1076"/>
+      <pc:chgData name="Chris Kennedy" userId="c9803a5179f80760" providerId="LiveId" clId="{AFCE4103-0E2C-49AE-99C4-7D5EFE1936F0}" dt="2023-01-25T03:50:08.664" v="88" actId="403"/>
       <pc:docMkLst>
         <pc:docMk/>
       </pc:docMkLst>
@@ -337,6 +337,53 @@
             <pc:docMk/>
             <pc:sldMk cId="0" sldId="256"/>
             <ac:spMk id="7" creationId="{059CA8A0-071A-1CE6-4B81-FE2495359437}"/>
+          </ac:spMkLst>
+        </pc:spChg>
+      </pc:sldChg>
+      <pc:sldChg chg="addSp delSp modSp mod">
+        <pc:chgData name="Chris Kennedy" userId="c9803a5179f80760" providerId="LiveId" clId="{AFCE4103-0E2C-49AE-99C4-7D5EFE1936F0}" dt="2023-01-25T03:50:08.664" v="88" actId="403"/>
+        <pc:sldMkLst>
+          <pc:docMk/>
+          <pc:sldMk cId="0" sldId="273"/>
+        </pc:sldMkLst>
+        <pc:spChg chg="add mod">
+          <ac:chgData name="Chris Kennedy" userId="c9803a5179f80760" providerId="LiveId" clId="{AFCE4103-0E2C-49AE-99C4-7D5EFE1936F0}" dt="2023-01-25T03:50:08.664" v="88" actId="403"/>
+          <ac:spMkLst>
+            <pc:docMk/>
+            <pc:sldMk cId="0" sldId="273"/>
+            <ac:spMk id="2" creationId="{27DF6BCC-BFFE-C1B2-046C-CB64105F100E}"/>
+          </ac:spMkLst>
+        </pc:spChg>
+        <pc:spChg chg="add mod">
+          <ac:chgData name="Chris Kennedy" userId="c9803a5179f80760" providerId="LiveId" clId="{AFCE4103-0E2C-49AE-99C4-7D5EFE1936F0}" dt="2023-01-25T03:50:01.619" v="85" actId="1076"/>
+          <ac:spMkLst>
+            <pc:docMk/>
+            <pc:sldMk cId="0" sldId="273"/>
+            <ac:spMk id="3" creationId="{22208584-414D-2281-8A10-DD7F7FD4FBFE}"/>
+          </ac:spMkLst>
+        </pc:spChg>
+        <pc:spChg chg="mod">
+          <ac:chgData name="Chris Kennedy" userId="c9803a5179f80760" providerId="LiveId" clId="{AFCE4103-0E2C-49AE-99C4-7D5EFE1936F0}" dt="2023-01-25T03:49:42.328" v="67" actId="20577"/>
+          <ac:spMkLst>
+            <pc:docMk/>
+            <pc:sldMk cId="0" sldId="273"/>
+            <ac:spMk id="424" creationId="{00000000-0000-0000-0000-000000000000}"/>
+          </ac:spMkLst>
+        </pc:spChg>
+        <pc:spChg chg="del">
+          <ac:chgData name="Chris Kennedy" userId="c9803a5179f80760" providerId="LiveId" clId="{AFCE4103-0E2C-49AE-99C4-7D5EFE1936F0}" dt="2023-01-25T03:48:26.475" v="14" actId="478"/>
+          <ac:spMkLst>
+            <pc:docMk/>
+            <pc:sldMk cId="0" sldId="273"/>
+            <ac:spMk id="426" creationId="{00000000-0000-0000-0000-000000000000}"/>
+          </ac:spMkLst>
+        </pc:spChg>
+        <pc:spChg chg="del">
+          <ac:chgData name="Chris Kennedy" userId="c9803a5179f80760" providerId="LiveId" clId="{AFCE4103-0E2C-49AE-99C4-7D5EFE1936F0}" dt="2023-01-25T03:48:26.948" v="15" actId="478"/>
+          <ac:spMkLst>
+            <pc:docMk/>
+            <pc:sldMk cId="0" sldId="273"/>
+            <ac:spMk id="427" creationId="{00000000-0000-0000-0000-000000000000}"/>
           </ac:spMkLst>
         </pc:spChg>
       </pc:sldChg>
@@ -43948,7 +43995,7 @@
         </p:nvSpPr>
         <p:spPr>
           <a:xfrm>
-            <a:off x="762000" y="758952"/>
+            <a:off x="762000" y="701100"/>
             <a:ext cx="10668000" cy="5455800"/>
           </a:xfrm>
           <a:prstGeom prst="rect">
@@ -43984,7 +44031,7 @@
               <a:buFont typeface="Arial"/>
               <a:buNone/>
             </a:pPr>
-            <a:endParaRPr sz="1800" b="0" i="0" u="none" strike="noStrike" cap="none">
+            <a:endParaRPr lang="en-US" sz="1800" b="0" i="0" u="none" strike="noStrike" cap="none" dirty="0">
               <a:solidFill>
                 <a:srgbClr val="FFFFFF"/>
               </a:solidFill>
@@ -44025,117 +44072,158 @@
       </p:pic>
       <p:sp>
         <p:nvSpPr>
-          <p:cNvPr id="426" name="Google Shape;426;p17"/>
-          <p:cNvSpPr/>
+          <p:cNvPr id="2" name="TextBox 1">
+            <a:extLst>
+              <a:ext uri="{FF2B5EF4-FFF2-40B4-BE49-F238E27FC236}">
+                <a16:creationId xmlns:a16="http://schemas.microsoft.com/office/drawing/2014/main" id="{27DF6BCC-BFFE-C1B2-046C-CB64105F100E}"/>
+              </a:ext>
+            </a:extLst>
+          </p:cNvPr>
+          <p:cNvSpPr txBox="1"/>
           <p:nvPr/>
         </p:nvSpPr>
         <p:spPr>
           <a:xfrm>
-            <a:off x="2006082" y="3890865"/>
-            <a:ext cx="3552144" cy="1483568"/>
+            <a:off x="4476750" y="4194886"/>
+            <a:ext cx="4133850" cy="1477328"/>
           </a:xfrm>
           <a:prstGeom prst="rect">
             <a:avLst/>
           </a:prstGeom>
-          <a:solidFill>
-            <a:schemeClr val="accent1"/>
-          </a:solidFill>
-          <a:ln w="12700" cap="flat" cmpd="sng">
-            <a:solidFill>
-              <a:srgbClr val="31538F"/>
-            </a:solidFill>
-            <a:prstDash val="solid"/>
-            <a:miter lim="800000"/>
-            <a:headEnd type="none" w="sm" len="sm"/>
-            <a:tailEnd type="none" w="sm" len="sm"/>
-          </a:ln>
+          <a:noFill/>
         </p:spPr>
         <p:txBody>
-          <a:bodyPr spcFirstLastPara="1" wrap="square" lIns="91425" tIns="45700" rIns="91425" bIns="45700" anchor="ctr" anchorCtr="0">
-            <a:noAutofit/>
+          <a:bodyPr wrap="square" rtlCol="0">
+            <a:spAutoFit/>
           </a:bodyPr>
           <a:lstStyle/>
           <a:p>
-            <a:pPr marL="0" marR="0" lvl="0" indent="0" algn="ctr" rtl="0">
-              <a:spcBef>
-                <a:spcPts val="0"/>
-              </a:spcBef>
-              <a:spcAft>
-                <a:spcPts val="0"/>
-              </a:spcAft>
-              <a:buNone/>
+            <a:pPr marL="285750" indent="-285750">
+              <a:buFont typeface="Arial" panose="020B0604020202020204" pitchFamily="34" charset="0"/>
+              <a:buChar char="•"/>
             </a:pPr>
             <a:r>
-              <a:rPr lang="en-US" sz="1800">
-                <a:solidFill>
-                  <a:schemeClr val="lt1"/>
-                </a:solidFill>
-                <a:latin typeface="Calibri"/>
-                <a:ea typeface="Calibri"/>
-                <a:cs typeface="Calibri"/>
-                <a:sym typeface="Calibri"/>
+              <a:rPr lang="en-US" sz="1800" dirty="0">
+                <a:solidFill>
+                  <a:srgbClr val="0563C1"/>
+                </a:solidFill>
+                <a:latin typeface="Source Sans Pro" panose="020B0503030403020204" pitchFamily="34" charset="0"/>
+                <a:ea typeface="Source Sans Pro" panose="020B0503030403020204" pitchFamily="34" charset="0"/>
+                <a:hlinkClick r:id="rId4">
+                  <a:extLst>
+                    <a:ext uri="{A12FA001-AC4F-418D-AE19-62706E023703}">
+                      <ahyp:hlinkClr xmlns:ahyp="http://schemas.microsoft.com/office/drawing/2018/hyperlinkcolor" val="tx"/>
+                    </a:ext>
+                  </a:extLst>
+                </a:hlinkClick>
               </a:rPr>
-              <a:t>Video 1</a:t>
+              <a:t>App Walkthrough</a:t>
             </a:r>
-            <a:endParaRPr/>
+            <a:endParaRPr lang="en-US" sz="1800" dirty="0">
+              <a:latin typeface="Source Sans Pro" panose="020B0503030403020204" pitchFamily="34" charset="0"/>
+              <a:ea typeface="Source Sans Pro" panose="020B0503030403020204" pitchFamily="34" charset="0"/>
+            </a:endParaRPr>
+          </a:p>
+          <a:p>
+            <a:pPr marL="285750" indent="-285750">
+              <a:buFont typeface="Arial" panose="020B0604020202020204" pitchFamily="34" charset="0"/>
+              <a:buChar char="•"/>
+            </a:pPr>
+            <a:r>
+              <a:rPr lang="en-US" sz="1800" dirty="0">
+                <a:latin typeface="Source Sans Pro" panose="020B0503030403020204" pitchFamily="34" charset="0"/>
+                <a:ea typeface="Source Sans Pro" panose="020B0503030403020204" pitchFamily="34" charset="0"/>
+                <a:hlinkClick r:id="rId5"/>
+              </a:rPr>
+              <a:t>ABC Bank &amp; Plat Commercial</a:t>
+            </a:r>
+            <a:endParaRPr lang="en-US" sz="1800" dirty="0">
+              <a:latin typeface="Source Sans Pro" panose="020B0503030403020204" pitchFamily="34" charset="0"/>
+              <a:ea typeface="Source Sans Pro" panose="020B0503030403020204" pitchFamily="34" charset="0"/>
+            </a:endParaRPr>
+          </a:p>
+          <a:p>
+            <a:pPr marL="285750" indent="-285750">
+              <a:buFont typeface="Arial" panose="020B0604020202020204" pitchFamily="34" charset="0"/>
+              <a:buChar char="•"/>
+            </a:pPr>
+            <a:r>
+              <a:rPr lang="en-US" sz="1800" dirty="0">
+                <a:latin typeface="Source Sans Pro" panose="020B0503030403020204" pitchFamily="34" charset="0"/>
+                <a:ea typeface="Source Sans Pro" panose="020B0503030403020204" pitchFamily="34" charset="0"/>
+                <a:hlinkClick r:id="rId6"/>
+              </a:rPr>
+              <a:t>UI/UX</a:t>
+            </a:r>
+            <a:endParaRPr lang="en-US" sz="1800" dirty="0">
+              <a:latin typeface="Source Sans Pro" panose="020B0503030403020204" pitchFamily="34" charset="0"/>
+              <a:ea typeface="Source Sans Pro" panose="020B0503030403020204" pitchFamily="34" charset="0"/>
+            </a:endParaRPr>
+          </a:p>
+          <a:p>
+            <a:pPr marL="285750" indent="-285750">
+              <a:buFont typeface="Arial" panose="020B0604020202020204" pitchFamily="34" charset="0"/>
+              <a:buChar char="•"/>
+            </a:pPr>
+            <a:r>
+              <a:rPr lang="en-US" sz="1800" dirty="0">
+                <a:latin typeface="Source Sans Pro" panose="020B0503030403020204" pitchFamily="34" charset="0"/>
+                <a:ea typeface="Source Sans Pro" panose="020B0503030403020204" pitchFamily="34" charset="0"/>
+                <a:hlinkClick r:id="rId7"/>
+              </a:rPr>
+              <a:t>Plat FAQ</a:t>
+            </a:r>
+            <a:endParaRPr lang="en-US" sz="1800" dirty="0">
+              <a:latin typeface="Source Sans Pro" panose="020B0503030403020204" pitchFamily="34" charset="0"/>
+              <a:ea typeface="Source Sans Pro" panose="020B0503030403020204" pitchFamily="34" charset="0"/>
+            </a:endParaRPr>
+          </a:p>
+          <a:p>
+            <a:endParaRPr lang="en-US" sz="1800" dirty="0">
+              <a:latin typeface="Source Sans Pro" panose="020B0503030403020204" pitchFamily="34" charset="0"/>
+              <a:ea typeface="Source Sans Pro" panose="020B0503030403020204" pitchFamily="34" charset="0"/>
+            </a:endParaRPr>
           </a:p>
         </p:txBody>
       </p:sp>
       <p:sp>
         <p:nvSpPr>
-          <p:cNvPr id="427" name="Google Shape;427;p17"/>
-          <p:cNvSpPr/>
+          <p:cNvPr id="3" name="TextBox 2">
+            <a:extLst>
+              <a:ext uri="{FF2B5EF4-FFF2-40B4-BE49-F238E27FC236}">
+                <a16:creationId xmlns:a16="http://schemas.microsoft.com/office/drawing/2014/main" id="{22208584-414D-2281-8A10-DD7F7FD4FBFE}"/>
+              </a:ext>
+            </a:extLst>
+          </p:cNvPr>
+          <p:cNvSpPr txBox="1"/>
           <p:nvPr/>
         </p:nvSpPr>
         <p:spPr>
           <a:xfrm>
-            <a:off x="6794241" y="3890865"/>
-            <a:ext cx="3552144" cy="1483568"/>
+            <a:off x="4400550" y="3548555"/>
+            <a:ext cx="1426994" cy="646331"/>
           </a:xfrm>
           <a:prstGeom prst="rect">
             <a:avLst/>
           </a:prstGeom>
-          <a:solidFill>
-            <a:schemeClr val="accent1"/>
-          </a:solidFill>
-          <a:ln w="12700" cap="flat" cmpd="sng">
-            <a:solidFill>
-              <a:srgbClr val="31538F"/>
-            </a:solidFill>
-            <a:prstDash val="solid"/>
-            <a:miter lim="800000"/>
-            <a:headEnd type="none" w="sm" len="sm"/>
-            <a:tailEnd type="none" w="sm" len="sm"/>
-          </a:ln>
+          <a:noFill/>
         </p:spPr>
         <p:txBody>
-          <a:bodyPr spcFirstLastPara="1" wrap="square" lIns="91425" tIns="45700" rIns="91425" bIns="45700" anchor="ctr" anchorCtr="0">
-            <a:noAutofit/>
+          <a:bodyPr wrap="none" rtlCol="0">
+            <a:spAutoFit/>
           </a:bodyPr>
           <a:lstStyle/>
           <a:p>
-            <a:pPr marL="0" marR="0" lvl="0" indent="0" algn="ctr" rtl="0">
-              <a:spcBef>
-                <a:spcPts val="0"/>
-              </a:spcBef>
-              <a:spcAft>
-                <a:spcPts val="0"/>
-              </a:spcAft>
-              <a:buNone/>
-            </a:pPr>
             <a:r>
-              <a:rPr lang="en-US" sz="1800">
-                <a:solidFill>
-                  <a:schemeClr val="lt1"/>
-                </a:solidFill>
-                <a:latin typeface="Calibri"/>
-                <a:ea typeface="Calibri"/>
-                <a:cs typeface="Calibri"/>
-                <a:sym typeface="Calibri"/>
+              <a:rPr lang="en-US" sz="3600" b="1" dirty="0">
+                <a:solidFill>
+                  <a:srgbClr val="F36723"/>
+                </a:solidFill>
+                <a:latin typeface="Source Sans Pro Light" panose="020B0403030403020204" pitchFamily="34" charset="0"/>
+                <a:ea typeface="Source Sans Pro Light" panose="020B0403030403020204" pitchFamily="34" charset="0"/>
               </a:rPr>
-              <a:t>Video 2</a:t>
+              <a:t>Videos</a:t>
             </a:r>
-            <a:endParaRPr/>
           </a:p>
         </p:txBody>
       </p:sp>
